--- a/10037-latavaris_TareaInd02/Archivo Power Paint/10037-latavaris_TareaInd02.pptx
+++ b/10037-latavaris_TareaInd02/Archivo Power Paint/10037-latavaris_TareaInd02.pptx
@@ -2544,7 +2544,7 @@
                 <a:latin typeface="+mj-lt"/>
                 <a:hlinkClick r:id="rId4"/>
               </a:rPr>
-              <a:t>https://github.com/LuisTavaris/10037-latavaris/tree/main/10037-latavaris_TareaInd01</a:t>
+              <a:t>https://github.com/LuisTavaris/10037-latavaris/tree/main/10037-latavaris_TareaInd02</a:t>
             </a:r>
             <a:endParaRPr lang="es-ES" sz="2600" dirty="0">
               <a:solidFill>
